--- a/Review/3_plots/output/Presentation1.pptx
+++ b/Review/3_plots/output/Presentation1.pptx
@@ -104,6 +104,11 @@
       </a:defRPr>
     </a:lvl9pPr>
   </p:defaultTextStyle>
+  <p:extLst>
+    <p:ext uri="{EFAFB233-063F-42B5-8137-9DF3F51BA10A}">
+      <p15:sldGuideLst xmlns:p15="http://schemas.microsoft.com/office/powerpoint/2012/main"/>
+    </p:ext>
+  </p:extLst>
 </p:presentation>
 </file>
 
@@ -254,7 +259,7 @@
           <a:p>
             <a:fld id="{C97D3E9D-9640-4DFC-B4F8-498E6E375113}" type="datetimeFigureOut">
               <a:rPr lang="en-US" smtClean="0"/>
-              <a:t>12/1/2022</a:t>
+              <a:t>12/7/2022</a:t>
             </a:fld>
             <a:endParaRPr lang="en-US"/>
           </a:p>
@@ -452,7 +457,7 @@
           <a:p>
             <a:fld id="{C97D3E9D-9640-4DFC-B4F8-498E6E375113}" type="datetimeFigureOut">
               <a:rPr lang="en-US" smtClean="0"/>
-              <a:t>12/1/2022</a:t>
+              <a:t>12/7/2022</a:t>
             </a:fld>
             <a:endParaRPr lang="en-US"/>
           </a:p>
@@ -660,7 +665,7 @@
           <a:p>
             <a:fld id="{C97D3E9D-9640-4DFC-B4F8-498E6E375113}" type="datetimeFigureOut">
               <a:rPr lang="en-US" smtClean="0"/>
-              <a:t>12/1/2022</a:t>
+              <a:t>12/7/2022</a:t>
             </a:fld>
             <a:endParaRPr lang="en-US"/>
           </a:p>
@@ -858,7 +863,7 @@
           <a:p>
             <a:fld id="{C97D3E9D-9640-4DFC-B4F8-498E6E375113}" type="datetimeFigureOut">
               <a:rPr lang="en-US" smtClean="0"/>
-              <a:t>12/1/2022</a:t>
+              <a:t>12/7/2022</a:t>
             </a:fld>
             <a:endParaRPr lang="en-US"/>
           </a:p>
@@ -1133,7 +1138,7 @@
           <a:p>
             <a:fld id="{C97D3E9D-9640-4DFC-B4F8-498E6E375113}" type="datetimeFigureOut">
               <a:rPr lang="en-US" smtClean="0"/>
-              <a:t>12/1/2022</a:t>
+              <a:t>12/7/2022</a:t>
             </a:fld>
             <a:endParaRPr lang="en-US"/>
           </a:p>
@@ -1398,7 +1403,7 @@
           <a:p>
             <a:fld id="{C97D3E9D-9640-4DFC-B4F8-498E6E375113}" type="datetimeFigureOut">
               <a:rPr lang="en-US" smtClean="0"/>
-              <a:t>12/1/2022</a:t>
+              <a:t>12/7/2022</a:t>
             </a:fld>
             <a:endParaRPr lang="en-US"/>
           </a:p>
@@ -1810,7 +1815,7 @@
           <a:p>
             <a:fld id="{C97D3E9D-9640-4DFC-B4F8-498E6E375113}" type="datetimeFigureOut">
               <a:rPr lang="en-US" smtClean="0"/>
-              <a:t>12/1/2022</a:t>
+              <a:t>12/7/2022</a:t>
             </a:fld>
             <a:endParaRPr lang="en-US"/>
           </a:p>
@@ -1951,7 +1956,7 @@
           <a:p>
             <a:fld id="{C97D3E9D-9640-4DFC-B4F8-498E6E375113}" type="datetimeFigureOut">
               <a:rPr lang="en-US" smtClean="0"/>
-              <a:t>12/1/2022</a:t>
+              <a:t>12/7/2022</a:t>
             </a:fld>
             <a:endParaRPr lang="en-US"/>
           </a:p>
@@ -2064,7 +2069,7 @@
           <a:p>
             <a:fld id="{C97D3E9D-9640-4DFC-B4F8-498E6E375113}" type="datetimeFigureOut">
               <a:rPr lang="en-US" smtClean="0"/>
-              <a:t>12/1/2022</a:t>
+              <a:t>12/7/2022</a:t>
             </a:fld>
             <a:endParaRPr lang="en-US"/>
           </a:p>
@@ -2375,7 +2380,7 @@
           <a:p>
             <a:fld id="{C97D3E9D-9640-4DFC-B4F8-498E6E375113}" type="datetimeFigureOut">
               <a:rPr lang="en-US" smtClean="0"/>
-              <a:t>12/1/2022</a:t>
+              <a:t>12/7/2022</a:t>
             </a:fld>
             <a:endParaRPr lang="en-US"/>
           </a:p>
@@ -2663,7 +2668,7 @@
           <a:p>
             <a:fld id="{C97D3E9D-9640-4DFC-B4F8-498E6E375113}" type="datetimeFigureOut">
               <a:rPr lang="en-US" smtClean="0"/>
-              <a:t>12/1/2022</a:t>
+              <a:t>12/7/2022</a:t>
             </a:fld>
             <a:endParaRPr lang="en-US"/>
           </a:p>
@@ -2904,7 +2909,7 @@
           <a:p>
             <a:fld id="{C97D3E9D-9640-4DFC-B4F8-498E6E375113}" type="datetimeFigureOut">
               <a:rPr lang="en-US" smtClean="0"/>
-              <a:t>12/1/2022</a:t>
+              <a:t>12/7/2022</a:t>
             </a:fld>
             <a:endParaRPr lang="en-US"/>
           </a:p>
@@ -3526,10 +3531,10 @@
           </p:nvGrpSpPr>
           <p:grpSpPr>
             <a:xfrm>
-              <a:off x="6258233" y="1413975"/>
-              <a:ext cx="2354826" cy="3377979"/>
-              <a:chOff x="6258233" y="1413975"/>
-              <a:chExt cx="2354826" cy="3377979"/>
+              <a:off x="6258233" y="1414910"/>
+              <a:ext cx="2354826" cy="3377044"/>
+              <a:chOff x="6258233" y="1414910"/>
+              <a:chExt cx="2354826" cy="3377044"/>
             </a:xfrm>
           </p:grpSpPr>
           <p:sp>
@@ -3546,8 +3551,8 @@
             </p:nvSpPr>
             <p:spPr>
               <a:xfrm>
-                <a:off x="6258233" y="1413975"/>
-                <a:ext cx="2354826" cy="925200"/>
+                <a:off x="6258233" y="1414910"/>
+                <a:ext cx="2354826" cy="923330"/>
               </a:xfrm>
               <a:prstGeom prst="rect">
                 <a:avLst/>
@@ -3585,10 +3590,10 @@
                   </a:rPr>
                 </a:br>
                 <a:r>
-                  <a:rPr lang="en-US" dirty="0">
+                  <a:rPr lang="en-US" i="1" dirty="0">
                     <a:latin typeface="Helvetica-Normal"/>
                   </a:rPr>
-                  <a:t>Cohens k</a:t>
+                  <a:t>Joint probability of agreement</a:t>
                 </a:r>
               </a:p>
             </p:txBody>
@@ -3607,8 +3612,8 @@
             </p:nvSpPr>
             <p:spPr>
               <a:xfrm>
-                <a:off x="6258233" y="2640831"/>
-                <a:ext cx="2354826" cy="925200"/>
+                <a:off x="6258233" y="2641766"/>
+                <a:ext cx="2354826" cy="923330"/>
               </a:xfrm>
               <a:prstGeom prst="rect">
                 <a:avLst/>
@@ -3646,11 +3651,19 @@
                   </a:rPr>
                 </a:br>
                 <a:r>
-                  <a:rPr lang="en-US" dirty="0">
+                  <a:rPr lang="en-US" i="1" dirty="0">
                     <a:latin typeface="Helvetica-Normal"/>
                   </a:rPr>
                   <a:t>Cohens k</a:t>
                 </a:r>
+                <a:br>
+                  <a:rPr lang="en-US" i="1" dirty="0">
+                    <a:latin typeface="Helvetica-Normal"/>
+                  </a:rPr>
+                </a:br>
+                <a:endParaRPr lang="en-US" i="1" dirty="0">
+                  <a:latin typeface="Helvetica-Normal"/>
+                </a:endParaRPr>
               </a:p>
             </p:txBody>
           </p:sp>
@@ -3831,8 +3844,8 @@
           </p:nvCxnSpPr>
           <p:spPr>
             <a:xfrm>
-              <a:off x="7435646" y="2339175"/>
-              <a:ext cx="0" cy="301656"/>
+              <a:off x="7435646" y="2338240"/>
+              <a:ext cx="0" cy="303526"/>
             </a:xfrm>
             <a:prstGeom prst="straightConnector1">
               <a:avLst/>
@@ -3880,8 +3893,8 @@
           </p:nvCxnSpPr>
           <p:spPr>
             <a:xfrm>
-              <a:off x="7435646" y="3566031"/>
-              <a:ext cx="0" cy="302593"/>
+              <a:off x="7435646" y="3565096"/>
+              <a:ext cx="0" cy="303528"/>
             </a:xfrm>
             <a:prstGeom prst="straightConnector1">
               <a:avLst/>
